--- a/7. Statusmeeting.pptx
+++ b/7. Statusmeeting.pptx
@@ -8267,7 +8267,7 @@
         <p:spPr>
           <a:xfrm>
             <a:off x="677334" y="609600"/>
-            <a:ext cx="8771466" cy="1320800"/>
+            <a:ext cx="8881194" cy="1320800"/>
           </a:xfrm>
         </p:spPr>
         <p:txBody>
@@ -8291,14 +8291,14 @@
             <p:ph idx="1"/>
             <p:extLst>
               <p:ext uri="{D42A27DB-BD31-4B8C-83A1-F6EECF244321}">
-                <p14:modId xmlns:p14="http://schemas.microsoft.com/office/powerpoint/2010/main" val="282727412"/>
+                <p14:modId xmlns:p14="http://schemas.microsoft.com/office/powerpoint/2010/main" val="1715799744"/>
               </p:ext>
             </p:extLst>
           </p:nvPr>
         </p:nvGraphicFramePr>
         <p:xfrm>
           <a:off x="677863" y="2160588"/>
-          <a:ext cx="8596312" cy="2966720"/>
+          <a:ext cx="8596312" cy="3337560"/>
         </p:xfrm>
         <a:graphic>
           <a:graphicData uri="http://schemas.openxmlformats.org/drawingml/2006/table">
@@ -8517,7 +8517,7 @@
                       <a:pPr algn="r"/>
                       <a:r>
                         <a:rPr lang="de-DE" dirty="0" smtClean="0"/>
-                        <a:t>70</a:t>
+                        <a:t>60</a:t>
                       </a:r>
                       <a:endParaRPr lang="de-DE" dirty="0"/>
                     </a:p>
@@ -8559,6 +8559,78 @@
                       <a:tailEnd type="none" w="med" len="med"/>
                     </a:lnL>
                     <a:lnB w="12700" cap="flat" cmpd="sng" algn="ctr">
+                      <a:noFill/>
+                      <a:prstDash val="solid"/>
+                      <a:round/>
+                      <a:headEnd type="none" w="med" len="med"/>
+                      <a:tailEnd type="none" w="med" len="med"/>
+                    </a:lnB>
+                  </a:tcPr>
+                </a:tc>
+                <a:tc>
+                  <a:txBody>
+                    <a:bodyPr/>
+                    <a:lstStyle/>
+                    <a:p>
+                      <a:pPr algn="r"/>
+                      <a:r>
+                        <a:rPr lang="de-DE" dirty="0" smtClean="0"/>
+                        <a:t>20</a:t>
+                      </a:r>
+                      <a:endParaRPr lang="de-DE" dirty="0"/>
+                    </a:p>
+                  </a:txBody>
+                  <a:tcPr>
+                    <a:lnR w="12700" cap="flat" cmpd="sng" algn="ctr">
+                      <a:solidFill>
+                        <a:schemeClr val="tx1"/>
+                      </a:solidFill>
+                      <a:prstDash val="solid"/>
+                      <a:round/>
+                      <a:headEnd type="none" w="med" len="med"/>
+                      <a:tailEnd type="none" w="med" len="med"/>
+                    </a:lnR>
+                    <a:lnB w="12700" cap="flat" cmpd="sng" algn="ctr">
+                      <a:noFill/>
+                      <a:prstDash val="solid"/>
+                      <a:round/>
+                      <a:headEnd type="none" w="med" len="med"/>
+                      <a:tailEnd type="none" w="med" len="med"/>
+                    </a:lnB>
+                  </a:tcPr>
+                </a:tc>
+              </a:tr>
+              <a:tr h="370840">
+                <a:tc>
+                  <a:txBody>
+                    <a:bodyPr/>
+                    <a:lstStyle/>
+                    <a:p>
+                      <a:r>
+                        <a:rPr lang="de-DE" dirty="0" smtClean="0"/>
+                        <a:t>Tests</a:t>
+                      </a:r>
+                      <a:endParaRPr lang="de-DE" dirty="0"/>
+                    </a:p>
+                  </a:txBody>
+                  <a:tcPr>
+                    <a:lnL w="12700" cap="flat" cmpd="sng" algn="ctr">
+                      <a:solidFill>
+                        <a:schemeClr val="tx1"/>
+                      </a:solidFill>
+                      <a:prstDash val="solid"/>
+                      <a:round/>
+                      <a:headEnd type="none" w="med" len="med"/>
+                      <a:tailEnd type="none" w="med" len="med"/>
+                    </a:lnL>
+                    <a:lnT w="12700" cap="flat" cmpd="sng" algn="ctr">
+                      <a:noFill/>
+                      <a:prstDash val="solid"/>
+                      <a:round/>
+                      <a:headEnd type="none" w="med" len="med"/>
+                      <a:tailEnd type="none" w="med" len="med"/>
+                    </a:lnT>
+                    <a:lnB w="12700" cap="flat" cmpd="sng" algn="ctr">
                       <a:solidFill>
                         <a:schemeClr val="tx1"/>
                       </a:solidFill>
@@ -8577,7 +8649,7 @@
                       <a:pPr algn="r"/>
                       <a:r>
                         <a:rPr lang="de-DE" dirty="0" smtClean="0"/>
-                        <a:t>30</a:t>
+                        <a:t>20</a:t>
                       </a:r>
                       <a:endParaRPr lang="de-DE" dirty="0"/>
                     </a:p>
@@ -8592,6 +8664,13 @@
                       <a:headEnd type="none" w="med" len="med"/>
                       <a:tailEnd type="none" w="med" len="med"/>
                     </a:lnR>
+                    <a:lnT w="12700" cap="flat" cmpd="sng" algn="ctr">
+                      <a:noFill/>
+                      <a:prstDash val="solid"/>
+                      <a:round/>
+                      <a:headEnd type="none" w="med" len="med"/>
+                      <a:tailEnd type="none" w="med" len="med"/>
+                    </a:lnT>
                     <a:lnB w="12700" cap="flat" cmpd="sng" algn="ctr">
                       <a:solidFill>
                         <a:schemeClr val="tx1"/>
